--- a/IBM capstone project.pptx
+++ b/IBM capstone project.pptx
@@ -744,7 +744,7 @@
             <a:fld id="{1D8BD707-D9CF-40AE-B4C6-C98DA3205C09}" type="datetimeFigureOut">
               <a:rPr lang="en-US" smtClean="0"/>
               <a:pPr/>
-              <a:t>8/11/2019</a:t>
+              <a:t>8/14/2019</a:t>
             </a:fld>
             <a:endParaRPr lang="en-US"/>
           </a:p>
@@ -942,7 +942,7 @@
             <a:fld id="{1D8BD707-D9CF-40AE-B4C6-C98DA3205C09}" type="datetimeFigureOut">
               <a:rPr lang="en-US" smtClean="0"/>
               <a:pPr/>
-              <a:t>8/11/2019</a:t>
+              <a:t>8/14/2019</a:t>
             </a:fld>
             <a:endParaRPr lang="en-US"/>
           </a:p>
@@ -1129,7 +1129,7 @@
             <a:fld id="{1D8BD707-D9CF-40AE-B4C6-C98DA3205C09}" type="datetimeFigureOut">
               <a:rPr lang="en-US" smtClean="0"/>
               <a:pPr/>
-              <a:t>8/11/2019</a:t>
+              <a:t>8/14/2019</a:t>
             </a:fld>
             <a:endParaRPr lang="en-US"/>
           </a:p>
@@ -1281,7 +1281,7 @@
             <a:fld id="{1D8BD707-D9CF-40AE-B4C6-C98DA3205C09}" type="datetimeFigureOut">
               <a:rPr lang="en-US" smtClean="0"/>
               <a:pPr/>
-              <a:t>8/11/2019</a:t>
+              <a:t>8/14/2019</a:t>
             </a:fld>
             <a:endParaRPr lang="en-US"/>
           </a:p>
@@ -1538,7 +1538,7 @@
             <a:fld id="{1D8BD707-D9CF-40AE-B4C6-C98DA3205C09}" type="datetimeFigureOut">
               <a:rPr lang="en-US" smtClean="0"/>
               <a:pPr/>
-              <a:t>8/11/2019</a:t>
+              <a:t>8/14/2019</a:t>
             </a:fld>
             <a:endParaRPr lang="en-US"/>
           </a:p>
@@ -1949,7 +1949,7 @@
             <a:fld id="{1D8BD707-D9CF-40AE-B4C6-C98DA3205C09}" type="datetimeFigureOut">
               <a:rPr lang="en-US" smtClean="0"/>
               <a:pPr/>
-              <a:t>8/11/2019</a:t>
+              <a:t>8/14/2019</a:t>
             </a:fld>
             <a:endParaRPr lang="en-US"/>
           </a:p>
@@ -2397,7 +2397,7 @@
             <a:fld id="{1D8BD707-D9CF-40AE-B4C6-C98DA3205C09}" type="datetimeFigureOut">
               <a:rPr lang="en-US" smtClean="0"/>
               <a:pPr/>
-              <a:t>8/11/2019</a:t>
+              <a:t>8/14/2019</a:t>
             </a:fld>
             <a:endParaRPr lang="en-US"/>
           </a:p>
@@ -2500,7 +2500,7 @@
             <a:fld id="{1D8BD707-D9CF-40AE-B4C6-C98DA3205C09}" type="datetimeFigureOut">
               <a:rPr lang="en-US" smtClean="0"/>
               <a:pPr/>
-              <a:t>8/11/2019</a:t>
+              <a:t>8/14/2019</a:t>
             </a:fld>
             <a:endParaRPr lang="en-US"/>
           </a:p>
@@ -2623,7 +2623,7 @@
             <a:fld id="{1D8BD707-D9CF-40AE-B4C6-C98DA3205C09}" type="datetimeFigureOut">
               <a:rPr lang="en-US" smtClean="0"/>
               <a:pPr/>
-              <a:t>8/11/2019</a:t>
+              <a:t>8/14/2019</a:t>
             </a:fld>
             <a:endParaRPr lang="en-US"/>
           </a:p>
@@ -2899,7 +2899,7 @@
             <a:fld id="{1D8BD707-D9CF-40AE-B4C6-C98DA3205C09}" type="datetimeFigureOut">
               <a:rPr lang="en-US" smtClean="0"/>
               <a:pPr/>
-              <a:t>8/11/2019</a:t>
+              <a:t>8/14/2019</a:t>
             </a:fld>
             <a:endParaRPr lang="en-US"/>
           </a:p>
@@ -3106,7 +3106,7 @@
             <a:fld id="{1D8BD707-D9CF-40AE-B4C6-C98DA3205C09}" type="datetimeFigureOut">
               <a:rPr lang="en-US" smtClean="0"/>
               <a:pPr/>
-              <a:t>8/11/2019</a:t>
+              <a:t>8/14/2019</a:t>
             </a:fld>
             <a:endParaRPr lang="en-US"/>
           </a:p>
@@ -4217,7 +4217,7 @@
             <a:fld id="{1D8BD707-D9CF-40AE-B4C6-C98DA3205C09}" type="datetimeFigureOut">
               <a:rPr lang="en-US" smtClean="0"/>
               <a:pPr/>
-              <a:t>8/11/2019</a:t>
+              <a:t>8/14/2019</a:t>
             </a:fld>
             <a:endParaRPr lang="en-US"/>
           </a:p>
@@ -4746,6 +4746,36 @@
           </a:prstGeom>
         </p:spPr>
       </p:pic>
+      <p:sp>
+        <p:nvSpPr>
+          <p:cNvPr id="5" name="TextBox 4"/>
+          <p:cNvSpPr txBox="1"/>
+          <p:nvPr/>
+        </p:nvSpPr>
+        <p:spPr>
+          <a:xfrm>
+            <a:off x="4114800" y="6211669"/>
+            <a:ext cx="5029200" cy="646331"/>
+          </a:xfrm>
+          <a:prstGeom prst="rect">
+            <a:avLst/>
+          </a:prstGeom>
+          <a:noFill/>
+        </p:spPr>
+        <p:txBody>
+          <a:bodyPr wrap="square" rtlCol="0">
+            <a:spAutoFit/>
+          </a:bodyPr>
+          <a:lstStyle/>
+          <a:p>
+            <a:r>
+              <a:rPr lang="en-US" dirty="0" smtClean="0"/>
+              <a:t>Let us try decision tree. It is not better than the multiple linear regression </a:t>
+            </a:r>
+            <a:endParaRPr lang="en-US" dirty="0"/>
+          </a:p>
+        </p:txBody>
+      </p:sp>
     </p:spTree>
   </p:cSld>
   <p:clrMapOvr>
@@ -5067,16 +5097,11 @@
               <a:rPr lang="en-US" dirty="0" smtClean="0"/>
               <a:t>.   </a:t>
             </a:r>
-            <a:endParaRPr lang="en-US" dirty="0" smtClean="0"/>
           </a:p>
           <a:p>
             <a:r>
               <a:rPr lang="en-US" dirty="0" smtClean="0"/>
-              <a:t>the </a:t>
-            </a:r>
-            <a:r>
-              <a:rPr lang="en-US" dirty="0" smtClean="0"/>
-              <a:t>numbers of venues near each neighborhood are extracted from </a:t>
+              <a:t>the numbers of venues near each neighborhood are extracted from </a:t>
             </a:r>
             <a:r>
               <a:rPr lang="en-US" dirty="0" err="1" smtClean="0"/>
@@ -5090,13 +5115,7 @@
               <a:rPr lang="en-US" u="sng" dirty="0" smtClean="0">
                 <a:hlinkClick r:id="rId3"/>
               </a:rPr>
-              <a:t>https://foursquare.com</a:t>
-            </a:r>
-            <a:r>
-              <a:rPr lang="en-US" u="sng" dirty="0" smtClean="0">
-                <a:hlinkClick r:id="rId3"/>
-              </a:rPr>
-              <a:t>/</a:t>
+              <a:t>https://foursquare.com/</a:t>
             </a:r>
             <a:r>
               <a:rPr lang="en-US" dirty="0" smtClean="0"/>
@@ -6918,6 +6937,98 @@
           </a:ln>
         </p:spPr>
       </p:pic>
+      <p:sp>
+        <p:nvSpPr>
+          <p:cNvPr id="6" name="Rectangle 5"/>
+          <p:cNvSpPr/>
+          <p:nvPr/>
+        </p:nvSpPr>
+        <p:spPr>
+          <a:xfrm>
+            <a:off x="1981200" y="4038600"/>
+            <a:ext cx="2133600" cy="304800"/>
+          </a:xfrm>
+          <a:prstGeom prst="rect">
+            <a:avLst/>
+          </a:prstGeom>
+          <a:noFill/>
+          <a:ln>
+            <a:solidFill>
+              <a:srgbClr val="FF0000"/>
+            </a:solidFill>
+          </a:ln>
+        </p:spPr>
+        <p:style>
+          <a:lnRef idx="2">
+            <a:schemeClr val="accent1">
+              <a:shade val="50000"/>
+            </a:schemeClr>
+          </a:lnRef>
+          <a:fillRef idx="1">
+            <a:schemeClr val="accent1"/>
+          </a:fillRef>
+          <a:effectRef idx="0">
+            <a:schemeClr val="accent1"/>
+          </a:effectRef>
+          <a:fontRef idx="minor">
+            <a:schemeClr val="lt1"/>
+          </a:fontRef>
+        </p:style>
+        <p:txBody>
+          <a:bodyPr rtlCol="0" anchor="ctr"/>
+          <a:lstStyle/>
+          <a:p>
+            <a:pPr algn="ctr"/>
+            <a:endParaRPr lang="en-US"/>
+          </a:p>
+        </p:txBody>
+      </p:sp>
+      <p:sp>
+        <p:nvSpPr>
+          <p:cNvPr id="8" name="Rectangle 7"/>
+          <p:cNvSpPr/>
+          <p:nvPr/>
+        </p:nvSpPr>
+        <p:spPr>
+          <a:xfrm>
+            <a:off x="4648200" y="3124200"/>
+            <a:ext cx="2133600" cy="304800"/>
+          </a:xfrm>
+          <a:prstGeom prst="rect">
+            <a:avLst/>
+          </a:prstGeom>
+          <a:noFill/>
+          <a:ln>
+            <a:solidFill>
+              <a:srgbClr val="FF0000"/>
+            </a:solidFill>
+          </a:ln>
+        </p:spPr>
+        <p:style>
+          <a:lnRef idx="2">
+            <a:schemeClr val="accent1">
+              <a:shade val="50000"/>
+            </a:schemeClr>
+          </a:lnRef>
+          <a:fillRef idx="1">
+            <a:schemeClr val="accent1"/>
+          </a:fillRef>
+          <a:effectRef idx="0">
+            <a:schemeClr val="accent1"/>
+          </a:effectRef>
+          <a:fontRef idx="minor">
+            <a:schemeClr val="lt1"/>
+          </a:fontRef>
+        </p:style>
+        <p:txBody>
+          <a:bodyPr rtlCol="0" anchor="ctr"/>
+          <a:lstStyle/>
+          <a:p>
+            <a:pPr algn="ctr"/>
+            <a:endParaRPr lang="en-US"/>
+          </a:p>
+        </p:txBody>
+      </p:sp>
     </p:spTree>
   </p:cSld>
   <p:clrMapOvr>
@@ -7201,15 +7312,7 @@
           <a:p>
             <a:r>
               <a:rPr lang="en-US" dirty="0" smtClean="0"/>
-              <a:t>true median rent(</a:t>
-            </a:r>
-            <a:r>
-              <a:rPr lang="en-US" dirty="0" smtClean="0"/>
-              <a:t>$</a:t>
-            </a:r>
-            <a:r>
-              <a:rPr lang="en-US" dirty="0" smtClean="0"/>
-              <a:t>)</a:t>
+              <a:t>true median rent($)</a:t>
             </a:r>
             <a:endParaRPr lang="en-US" dirty="0"/>
           </a:p>
@@ -7239,17 +7342,45 @@
           <a:p>
             <a:r>
               <a:rPr lang="en-US" dirty="0" smtClean="0"/>
-              <a:t>predicted median rent(</a:t>
-            </a:r>
-            <a:r>
-              <a:rPr lang="en-US" dirty="0" smtClean="0"/>
-              <a:t>$</a:t>
-            </a:r>
-            <a:r>
-              <a:rPr lang="en-US" dirty="0" smtClean="0"/>
-              <a:t>)</a:t>
+              <a:t>predicted median rent($)</a:t>
             </a:r>
             <a:endParaRPr lang="en-US" dirty="0"/>
+          </a:p>
+        </p:txBody>
+      </p:sp>
+      <p:sp>
+        <p:nvSpPr>
+          <p:cNvPr id="10" name="TextBox 9"/>
+          <p:cNvSpPr txBox="1"/>
+          <p:nvPr/>
+        </p:nvSpPr>
+        <p:spPr>
+          <a:xfrm>
+            <a:off x="6553200" y="3810000"/>
+            <a:ext cx="2895600" cy="461665"/>
+          </a:xfrm>
+          <a:prstGeom prst="rect">
+            <a:avLst/>
+          </a:prstGeom>
+          <a:noFill/>
+        </p:spPr>
+        <p:txBody>
+          <a:bodyPr wrap="square" rtlCol="0">
+            <a:spAutoFit/>
+          </a:bodyPr>
+          <a:lstStyle/>
+          <a:p>
+            <a:r>
+              <a:rPr lang="en-US" sz="1200" dirty="0" smtClean="0"/>
+              <a:t>$444 average error</a:t>
+            </a:r>
+          </a:p>
+          <a:p>
+            <a:r>
+              <a:rPr lang="en-US" sz="1200" dirty="0" smtClean="0"/>
+              <a:t>0.33 variance explained</a:t>
+            </a:r>
+            <a:endParaRPr lang="en-US" sz="1200" dirty="0"/>
           </a:p>
         </p:txBody>
       </p:sp>
@@ -7429,6 +7560,36 @@
               <a:t>Occurrence in total</a:t>
             </a:r>
             <a:endParaRPr lang="en-US" sz="1200" dirty="0"/>
+          </a:p>
+        </p:txBody>
+      </p:sp>
+      <p:sp>
+        <p:nvSpPr>
+          <p:cNvPr id="8" name="TextBox 7"/>
+          <p:cNvSpPr txBox="1"/>
+          <p:nvPr/>
+        </p:nvSpPr>
+        <p:spPr>
+          <a:xfrm>
+            <a:off x="5715000" y="5934670"/>
+            <a:ext cx="3429000" cy="923330"/>
+          </a:xfrm>
+          <a:prstGeom prst="rect">
+            <a:avLst/>
+          </a:prstGeom>
+          <a:noFill/>
+        </p:spPr>
+        <p:txBody>
+          <a:bodyPr wrap="square" rtlCol="0">
+            <a:spAutoFit/>
+          </a:bodyPr>
+          <a:lstStyle/>
+          <a:p>
+            <a:r>
+              <a:rPr lang="en-US" dirty="0" smtClean="0"/>
+              <a:t>Every college Cafeteria can increase the median rent by $236</a:t>
+            </a:r>
+            <a:endParaRPr lang="en-US" dirty="0"/>
           </a:p>
         </p:txBody>
       </p:sp>
